--- a/Article/FE/pnpm/img/pnpm.pptx
+++ b/Article/FE/pnpm/img/pnpm.pptx
@@ -10,6 +10,9 @@
     <p:sldId id="258" r:id="rId4"/>
     <p:sldId id="259" r:id="rId5"/>
     <p:sldId id="260" r:id="rId6"/>
+    <p:sldId id="261" r:id="rId7"/>
+    <p:sldId id="262" r:id="rId8"/>
+    <p:sldId id="263" r:id="rId9"/>
   </p:sldIdLst>
   <p:sldSz cx="12192000" cy="6858000"/>
   <p:notesSz cx="6858000" cy="9144000"/>
@@ -274,7 +277,7 @@
           <a:p>
             <a:fld id="{07B7B993-47F8-6142-9181-F2572607495A}" type="datetimeFigureOut">
               <a:rPr kumimoji="1" lang="ko-KR" altLang="en-US" smtClean="0"/>
-              <a:t>2025. 10. 5.</a:t>
+              <a:t>2025. 10. 9.</a:t>
             </a:fld>
             <a:endParaRPr kumimoji="1" lang="ko-KR" altLang="en-US"/>
           </a:p>
@@ -472,7 +475,7 @@
           <a:p>
             <a:fld id="{07B7B993-47F8-6142-9181-F2572607495A}" type="datetimeFigureOut">
               <a:rPr kumimoji="1" lang="ko-KR" altLang="en-US" smtClean="0"/>
-              <a:t>2025. 10. 5.</a:t>
+              <a:t>2025. 10. 9.</a:t>
             </a:fld>
             <a:endParaRPr kumimoji="1" lang="ko-KR" altLang="en-US"/>
           </a:p>
@@ -680,7 +683,7 @@
           <a:p>
             <a:fld id="{07B7B993-47F8-6142-9181-F2572607495A}" type="datetimeFigureOut">
               <a:rPr kumimoji="1" lang="ko-KR" altLang="en-US" smtClean="0"/>
-              <a:t>2025. 10. 5.</a:t>
+              <a:t>2025. 10. 9.</a:t>
             </a:fld>
             <a:endParaRPr kumimoji="1" lang="ko-KR" altLang="en-US"/>
           </a:p>
@@ -878,7 +881,7 @@
           <a:p>
             <a:fld id="{07B7B993-47F8-6142-9181-F2572607495A}" type="datetimeFigureOut">
               <a:rPr kumimoji="1" lang="ko-KR" altLang="en-US" smtClean="0"/>
-              <a:t>2025. 10. 5.</a:t>
+              <a:t>2025. 10. 9.</a:t>
             </a:fld>
             <a:endParaRPr kumimoji="1" lang="ko-KR" altLang="en-US"/>
           </a:p>
@@ -1153,7 +1156,7 @@
           <a:p>
             <a:fld id="{07B7B993-47F8-6142-9181-F2572607495A}" type="datetimeFigureOut">
               <a:rPr kumimoji="1" lang="ko-KR" altLang="en-US" smtClean="0"/>
-              <a:t>2025. 10. 5.</a:t>
+              <a:t>2025. 10. 9.</a:t>
             </a:fld>
             <a:endParaRPr kumimoji="1" lang="ko-KR" altLang="en-US"/>
           </a:p>
@@ -1418,7 +1421,7 @@
           <a:p>
             <a:fld id="{07B7B993-47F8-6142-9181-F2572607495A}" type="datetimeFigureOut">
               <a:rPr kumimoji="1" lang="ko-KR" altLang="en-US" smtClean="0"/>
-              <a:t>2025. 10. 5.</a:t>
+              <a:t>2025. 10. 9.</a:t>
             </a:fld>
             <a:endParaRPr kumimoji="1" lang="ko-KR" altLang="en-US"/>
           </a:p>
@@ -1830,7 +1833,7 @@
           <a:p>
             <a:fld id="{07B7B993-47F8-6142-9181-F2572607495A}" type="datetimeFigureOut">
               <a:rPr kumimoji="1" lang="ko-KR" altLang="en-US" smtClean="0"/>
-              <a:t>2025. 10. 5.</a:t>
+              <a:t>2025. 10. 9.</a:t>
             </a:fld>
             <a:endParaRPr kumimoji="1" lang="ko-KR" altLang="en-US"/>
           </a:p>
@@ -1971,7 +1974,7 @@
           <a:p>
             <a:fld id="{07B7B993-47F8-6142-9181-F2572607495A}" type="datetimeFigureOut">
               <a:rPr kumimoji="1" lang="ko-KR" altLang="en-US" smtClean="0"/>
-              <a:t>2025. 10. 5.</a:t>
+              <a:t>2025. 10. 9.</a:t>
             </a:fld>
             <a:endParaRPr kumimoji="1" lang="ko-KR" altLang="en-US"/>
           </a:p>
@@ -2084,7 +2087,7 @@
           <a:p>
             <a:fld id="{07B7B993-47F8-6142-9181-F2572607495A}" type="datetimeFigureOut">
               <a:rPr kumimoji="1" lang="ko-KR" altLang="en-US" smtClean="0"/>
-              <a:t>2025. 10. 5.</a:t>
+              <a:t>2025. 10. 9.</a:t>
             </a:fld>
             <a:endParaRPr kumimoji="1" lang="ko-KR" altLang="en-US"/>
           </a:p>
@@ -2395,7 +2398,7 @@
           <a:p>
             <a:fld id="{07B7B993-47F8-6142-9181-F2572607495A}" type="datetimeFigureOut">
               <a:rPr kumimoji="1" lang="ko-KR" altLang="en-US" smtClean="0"/>
-              <a:t>2025. 10. 5.</a:t>
+              <a:t>2025. 10. 9.</a:t>
             </a:fld>
             <a:endParaRPr kumimoji="1" lang="ko-KR" altLang="en-US"/>
           </a:p>
@@ -2683,7 +2686,7 @@
           <a:p>
             <a:fld id="{07B7B993-47F8-6142-9181-F2572607495A}" type="datetimeFigureOut">
               <a:rPr kumimoji="1" lang="ko-KR" altLang="en-US" smtClean="0"/>
-              <a:t>2025. 10. 5.</a:t>
+              <a:t>2025. 10. 9.</a:t>
             </a:fld>
             <a:endParaRPr kumimoji="1" lang="ko-KR" altLang="en-US"/>
           </a:p>
@@ -2924,7 +2927,7 @@
           <a:p>
             <a:fld id="{07B7B993-47F8-6142-9181-F2572607495A}" type="datetimeFigureOut">
               <a:rPr kumimoji="1" lang="ko-KR" altLang="en-US" smtClean="0"/>
-              <a:t>2025. 10. 5.</a:t>
+              <a:t>2025. 10. 9.</a:t>
             </a:fld>
             <a:endParaRPr kumimoji="1" lang="ko-KR" altLang="en-US"/>
           </a:p>
@@ -3327,6 +3330,14 @@
 <file path=ppt/slides/slide1.xml><?xml version="1.0" encoding="utf-8"?>
 <p:sld xmlns:a="http://schemas.openxmlformats.org/drawingml/2006/main" xmlns:r="http://schemas.openxmlformats.org/officeDocument/2006/relationships" xmlns:p="http://schemas.openxmlformats.org/presentationml/2006/main">
   <p:cSld>
+    <p:bg>
+      <p:bgPr>
+        <a:solidFill>
+          <a:srgbClr val="FFFEFB"/>
+        </a:solidFill>
+        <a:effectLst/>
+      </p:bgPr>
+    </p:bg>
     <p:spTree>
       <p:nvGrpSpPr>
         <p:cNvPr id="1" name=""/>
@@ -3341,6 +3352,218 @@
           <a:chExt cx="0" cy="0"/>
         </a:xfrm>
       </p:grpSpPr>
+      <p:pic>
+        <p:nvPicPr>
+          <p:cNvPr id="2050" name="Picture 2" descr="pnpm이 무엇인가">
+            <a:extLst>
+              <a:ext uri="{FF2B5EF4-FFF2-40B4-BE49-F238E27FC236}">
+                <a16:creationId xmlns:a16="http://schemas.microsoft.com/office/drawing/2014/main" id="{D7554F14-B889-B01A-EED6-3B7599226334}"/>
+              </a:ext>
+            </a:extLst>
+          </p:cNvPr>
+          <p:cNvPicPr>
+            <a:picLocks noChangeAspect="1" noChangeArrowheads="1"/>
+          </p:cNvPicPr>
+          <p:nvPr/>
+        </p:nvPicPr>
+        <p:blipFill rotWithShape="1">
+          <a:blip r:embed="rId2">
+            <a:extLst>
+              <a:ext uri="{28A0092B-C50C-407E-A947-70E740481C1C}">
+                <a14:useLocalDpi xmlns:a14="http://schemas.microsoft.com/office/drawing/2010/main" val="0"/>
+              </a:ext>
+            </a:extLst>
+          </a:blip>
+          <a:srcRect l="18373" t="23984" r="20904" b="26961"/>
+          <a:stretch/>
+        </p:blipFill>
+        <p:spPr bwMode="auto">
+          <a:xfrm>
+            <a:off x="4523060" y="1921221"/>
+            <a:ext cx="2680138" cy="2165132"/>
+          </a:xfrm>
+          <a:prstGeom prst="rect">
+            <a:avLst/>
+          </a:prstGeom>
+          <a:noFill/>
+          <a:extLst>
+            <a:ext uri="{909E8E84-426E-40DD-AFC4-6F175D3DCCD1}">
+              <a14:hiddenFill xmlns:a14="http://schemas.microsoft.com/office/drawing/2010/main">
+                <a:solidFill>
+                  <a:srgbClr val="FFFFFF"/>
+                </a:solidFill>
+              </a14:hiddenFill>
+            </a:ext>
+          </a:extLst>
+        </p:spPr>
+      </p:pic>
+      <p:pic>
+        <p:nvPicPr>
+          <p:cNvPr id="3" name="그림 2" descr="디자인이(가) 표시된 사진&#10;&#10;자동 생성된 설명">
+            <a:extLst>
+              <a:ext uri="{FF2B5EF4-FFF2-40B4-BE49-F238E27FC236}">
+                <a16:creationId xmlns:a16="http://schemas.microsoft.com/office/drawing/2014/main" id="{74E3F2C0-B3D9-E724-4043-37ADC9F61A2A}"/>
+              </a:ext>
+            </a:extLst>
+          </p:cNvPr>
+          <p:cNvPicPr>
+            <a:picLocks noChangeAspect="1"/>
+          </p:cNvPicPr>
+          <p:nvPr/>
+        </p:nvPicPr>
+        <p:blipFill>
+          <a:blip r:embed="rId3"/>
+          <a:stretch>
+            <a:fillRect/>
+          </a:stretch>
+        </p:blipFill>
+        <p:spPr>
+          <a:xfrm>
+            <a:off x="269985" y="5624346"/>
+            <a:ext cx="1061175" cy="1061175"/>
+          </a:xfrm>
+          <a:prstGeom prst="rect">
+            <a:avLst/>
+          </a:prstGeom>
+        </p:spPr>
+      </p:pic>
+      <p:pic>
+        <p:nvPicPr>
+          <p:cNvPr id="4" name="그림 3" descr="디자인이(가) 표시된 사진&#10;&#10;자동 생성된 설명">
+            <a:extLst>
+              <a:ext uri="{FF2B5EF4-FFF2-40B4-BE49-F238E27FC236}">
+                <a16:creationId xmlns:a16="http://schemas.microsoft.com/office/drawing/2014/main" id="{84893922-9B49-F680-9A15-D370F5E7B668}"/>
+              </a:ext>
+            </a:extLst>
+          </p:cNvPr>
+          <p:cNvPicPr>
+            <a:picLocks noChangeAspect="1"/>
+          </p:cNvPicPr>
+          <p:nvPr/>
+        </p:nvPicPr>
+        <p:blipFill>
+          <a:blip r:embed="rId3"/>
+          <a:stretch>
+            <a:fillRect/>
+          </a:stretch>
+        </p:blipFill>
+        <p:spPr>
+          <a:xfrm>
+            <a:off x="1299629" y="5624345"/>
+            <a:ext cx="1061175" cy="1061175"/>
+          </a:xfrm>
+          <a:prstGeom prst="rect">
+            <a:avLst/>
+          </a:prstGeom>
+        </p:spPr>
+      </p:pic>
+      <p:pic>
+        <p:nvPicPr>
+          <p:cNvPr id="5" name="그림 4" descr="디자인이(가) 표시된 사진&#10;&#10;자동 생성된 설명">
+            <a:extLst>
+              <a:ext uri="{FF2B5EF4-FFF2-40B4-BE49-F238E27FC236}">
+                <a16:creationId xmlns:a16="http://schemas.microsoft.com/office/drawing/2014/main" id="{71E26EFD-DE97-BAE7-761B-52B88153242B}"/>
+              </a:ext>
+            </a:extLst>
+          </p:cNvPr>
+          <p:cNvPicPr>
+            <a:picLocks noChangeAspect="1"/>
+          </p:cNvPicPr>
+          <p:nvPr/>
+        </p:nvPicPr>
+        <p:blipFill>
+          <a:blip r:embed="rId3"/>
+          <a:stretch>
+            <a:fillRect/>
+          </a:stretch>
+        </p:blipFill>
+        <p:spPr>
+          <a:xfrm>
+            <a:off x="800572" y="4854400"/>
+            <a:ext cx="1061175" cy="1061175"/>
+          </a:xfrm>
+          <a:prstGeom prst="rect">
+            <a:avLst/>
+          </a:prstGeom>
+        </p:spPr>
+      </p:pic>
+      <p:sp>
+        <p:nvSpPr>
+          <p:cNvPr id="8" name="TextBox 7">
+            <a:extLst>
+              <a:ext uri="{FF2B5EF4-FFF2-40B4-BE49-F238E27FC236}">
+                <a16:creationId xmlns:a16="http://schemas.microsoft.com/office/drawing/2014/main" id="{8F48C7AF-4EAA-C003-AA37-B755AE434460}"/>
+              </a:ext>
+            </a:extLst>
+          </p:cNvPr>
+          <p:cNvSpPr txBox="1"/>
+          <p:nvPr/>
+        </p:nvSpPr>
+        <p:spPr>
+          <a:xfrm>
+            <a:off x="2507045" y="4146514"/>
+            <a:ext cx="7444608" cy="707886"/>
+          </a:xfrm>
+          <a:prstGeom prst="rect">
+            <a:avLst/>
+          </a:prstGeom>
+          <a:noFill/>
+        </p:spPr>
+        <p:txBody>
+          <a:bodyPr wrap="square">
+            <a:spAutoFit/>
+          </a:bodyPr>
+          <a:lstStyle/>
+          <a:p>
+            <a:r>
+              <a:rPr lang="en" altLang="ko-KR" sz="4000" b="1" dirty="0" err="1">
+                <a:latin typeface="Noto Sans KR" panose="020B0200000000000000" pitchFamily="34" charset="-128"/>
+                <a:ea typeface="Noto Sans KR" panose="020B0200000000000000" pitchFamily="34" charset="-128"/>
+              </a:rPr>
+              <a:t>npm</a:t>
+            </a:r>
+            <a:r>
+              <a:rPr lang="ko-KR" altLang="en-US" sz="4000" b="1" dirty="0">
+                <a:latin typeface="Noto Sans KR" panose="020B0200000000000000" pitchFamily="34" charset="-128"/>
+                <a:ea typeface="Noto Sans KR" panose="020B0200000000000000" pitchFamily="34" charset="-128"/>
+              </a:rPr>
+              <a:t>에서 </a:t>
+            </a:r>
+            <a:r>
+              <a:rPr lang="en" altLang="ko-KR" sz="4000" b="1" dirty="0" err="1">
+                <a:latin typeface="Noto Sans KR" panose="020B0200000000000000" pitchFamily="34" charset="-128"/>
+                <a:ea typeface="Noto Sans KR" panose="020B0200000000000000" pitchFamily="34" charset="-128"/>
+              </a:rPr>
+              <a:t>pnpm</a:t>
+            </a:r>
+            <a:r>
+              <a:rPr lang="ko-KR" altLang="en-US" sz="4000" b="1" dirty="0" err="1">
+                <a:latin typeface="Noto Sans KR" panose="020B0200000000000000" pitchFamily="34" charset="-128"/>
+                <a:ea typeface="Noto Sans KR" panose="020B0200000000000000" pitchFamily="34" charset="-128"/>
+              </a:rPr>
+              <a:t>으로</a:t>
+            </a:r>
+            <a:r>
+              <a:rPr lang="ko-KR" altLang="en-US" sz="4000" b="1" dirty="0">
+                <a:latin typeface="Noto Sans KR" panose="020B0200000000000000" pitchFamily="34" charset="-128"/>
+                <a:ea typeface="Noto Sans KR" panose="020B0200000000000000" pitchFamily="34" charset="-128"/>
+              </a:rPr>
+              <a:t> 이사하세요</a:t>
+            </a:r>
+            <a:r>
+              <a:rPr lang="en-US" altLang="ko-KR" sz="4000" b="1" dirty="0">
+                <a:latin typeface="Noto Sans KR" panose="020B0200000000000000" pitchFamily="34" charset="-128"/>
+                <a:ea typeface="Noto Sans KR" panose="020B0200000000000000" pitchFamily="34" charset="-128"/>
+              </a:rPr>
+              <a:t>!</a:t>
+            </a:r>
+            <a:endParaRPr lang="ko-KR" altLang="en-US" sz="4000" b="1" dirty="0">
+              <a:latin typeface="Noto Sans KR" panose="020B0200000000000000" pitchFamily="34" charset="-128"/>
+              <a:ea typeface="Noto Sans KR" panose="020B0200000000000000" pitchFamily="34" charset="-128"/>
+            </a:endParaRPr>
+          </a:p>
+        </p:txBody>
+      </p:sp>
     </p:spTree>
     <p:extLst>
       <p:ext uri="{BB962C8B-B14F-4D97-AF65-F5344CB8AC3E}">
@@ -3898,10 +4121,190 @@
           <a:chExt cx="0" cy="0"/>
         </a:xfrm>
       </p:grpSpPr>
+      <p:pic>
+        <p:nvPicPr>
+          <p:cNvPr id="3" name="그림 2" descr="텍스트, 스크린샷, 폰트, 번호이(가) 표시된 사진&#10;&#10;자동 생성된 설명">
+            <a:extLst>
+              <a:ext uri="{FF2B5EF4-FFF2-40B4-BE49-F238E27FC236}">
+                <a16:creationId xmlns:a16="http://schemas.microsoft.com/office/drawing/2014/main" id="{748F7474-0B47-28DA-7B2E-55A7DA62B2FC}"/>
+              </a:ext>
+            </a:extLst>
+          </p:cNvPr>
+          <p:cNvPicPr>
+            <a:picLocks noChangeAspect="1"/>
+          </p:cNvPicPr>
+          <p:nvPr/>
+        </p:nvPicPr>
+        <p:blipFill>
+          <a:blip r:embed="rId2"/>
+          <a:stretch>
+            <a:fillRect/>
+          </a:stretch>
+        </p:blipFill>
+        <p:spPr>
+          <a:xfrm>
+            <a:off x="595559" y="0"/>
+            <a:ext cx="5263521" cy="5721218"/>
+          </a:xfrm>
+          <a:prstGeom prst="rect">
+            <a:avLst/>
+          </a:prstGeom>
+        </p:spPr>
+      </p:pic>
+      <p:pic>
+        <p:nvPicPr>
+          <p:cNvPr id="5" name="그림 4" descr="텍스트, 스크린샷, 폰트, 소프트웨어이(가) 표시된 사진&#10;&#10;자동 생성된 설명">
+            <a:extLst>
+              <a:ext uri="{FF2B5EF4-FFF2-40B4-BE49-F238E27FC236}">
+                <a16:creationId xmlns:a16="http://schemas.microsoft.com/office/drawing/2014/main" id="{A5D67C1F-590C-5AC5-3520-34E2A990CC5D}"/>
+              </a:ext>
+            </a:extLst>
+          </p:cNvPr>
+          <p:cNvPicPr>
+            <a:picLocks noChangeAspect="1"/>
+          </p:cNvPicPr>
+          <p:nvPr/>
+        </p:nvPicPr>
+        <p:blipFill>
+          <a:blip r:embed="rId3"/>
+          <a:stretch>
+            <a:fillRect/>
+          </a:stretch>
+        </p:blipFill>
+        <p:spPr>
+          <a:xfrm>
+            <a:off x="6332921" y="117017"/>
+            <a:ext cx="6161312" cy="5721218"/>
+          </a:xfrm>
+          <a:prstGeom prst="rect">
+            <a:avLst/>
+          </a:prstGeom>
+        </p:spPr>
+      </p:pic>
+      <p:pic>
+        <p:nvPicPr>
+          <p:cNvPr id="6" name="그림 5" descr="텍스트, 스크린샷, 폰트, 소프트웨어이(가) 표시된 사진&#10;&#10;자동 생성된 설명">
+            <a:extLst>
+              <a:ext uri="{FF2B5EF4-FFF2-40B4-BE49-F238E27FC236}">
+                <a16:creationId xmlns:a16="http://schemas.microsoft.com/office/drawing/2014/main" id="{575CF239-F953-19F5-0583-2DBEC5FB896F}"/>
+              </a:ext>
+            </a:extLst>
+          </p:cNvPr>
+          <p:cNvPicPr>
+            <a:picLocks noChangeAspect="1"/>
+          </p:cNvPicPr>
+          <p:nvPr/>
+        </p:nvPicPr>
+        <p:blipFill>
+          <a:blip r:embed="rId3"/>
+          <a:stretch>
+            <a:fillRect/>
+          </a:stretch>
+        </p:blipFill>
+        <p:spPr>
+          <a:xfrm>
+            <a:off x="6248839" y="117017"/>
+            <a:ext cx="6161312" cy="5721218"/>
+          </a:xfrm>
+          <a:prstGeom prst="rect">
+            <a:avLst/>
+          </a:prstGeom>
+        </p:spPr>
+      </p:pic>
     </p:spTree>
     <p:extLst>
       <p:ext uri="{BB962C8B-B14F-4D97-AF65-F5344CB8AC3E}">
         <p14:creationId xmlns:p14="http://schemas.microsoft.com/office/powerpoint/2010/main" val="103069751"/>
+      </p:ext>
+    </p:extLst>
+  </p:cSld>
+  <p:clrMapOvr>
+    <a:masterClrMapping/>
+  </p:clrMapOvr>
+</p:sld>
+</file>
+
+<file path=ppt/slides/slide6.xml><?xml version="1.0" encoding="utf-8"?>
+<p:sld xmlns:a="http://schemas.openxmlformats.org/drawingml/2006/main" xmlns:r="http://schemas.openxmlformats.org/officeDocument/2006/relationships" xmlns:p="http://schemas.openxmlformats.org/presentationml/2006/main">
+  <p:cSld>
+    <p:spTree>
+      <p:nvGrpSpPr>
+        <p:cNvPr id="1" name=""/>
+        <p:cNvGrpSpPr/>
+        <p:nvPr/>
+      </p:nvGrpSpPr>
+      <p:grpSpPr>
+        <a:xfrm>
+          <a:off x="0" y="0"/>
+          <a:ext cx="0" cy="0"/>
+          <a:chOff x="0" y="0"/>
+          <a:chExt cx="0" cy="0"/>
+        </a:xfrm>
+      </p:grpSpPr>
+    </p:spTree>
+    <p:extLst>
+      <p:ext uri="{BB962C8B-B14F-4D97-AF65-F5344CB8AC3E}">
+        <p14:creationId xmlns:p14="http://schemas.microsoft.com/office/powerpoint/2010/main" val="2744963317"/>
+      </p:ext>
+    </p:extLst>
+  </p:cSld>
+  <p:clrMapOvr>
+    <a:masterClrMapping/>
+  </p:clrMapOvr>
+</p:sld>
+</file>
+
+<file path=ppt/slides/slide7.xml><?xml version="1.0" encoding="utf-8"?>
+<p:sld xmlns:a="http://schemas.openxmlformats.org/drawingml/2006/main" xmlns:r="http://schemas.openxmlformats.org/officeDocument/2006/relationships" xmlns:p="http://schemas.openxmlformats.org/presentationml/2006/main">
+  <p:cSld>
+    <p:spTree>
+      <p:nvGrpSpPr>
+        <p:cNvPr id="1" name=""/>
+        <p:cNvGrpSpPr/>
+        <p:nvPr/>
+      </p:nvGrpSpPr>
+      <p:grpSpPr>
+        <a:xfrm>
+          <a:off x="0" y="0"/>
+          <a:ext cx="0" cy="0"/>
+          <a:chOff x="0" y="0"/>
+          <a:chExt cx="0" cy="0"/>
+        </a:xfrm>
+      </p:grpSpPr>
+    </p:spTree>
+    <p:extLst>
+      <p:ext uri="{BB962C8B-B14F-4D97-AF65-F5344CB8AC3E}">
+        <p14:creationId xmlns:p14="http://schemas.microsoft.com/office/powerpoint/2010/main" val="225301777"/>
+      </p:ext>
+    </p:extLst>
+  </p:cSld>
+  <p:clrMapOvr>
+    <a:masterClrMapping/>
+  </p:clrMapOvr>
+</p:sld>
+</file>
+
+<file path=ppt/slides/slide8.xml><?xml version="1.0" encoding="utf-8"?>
+<p:sld xmlns:a="http://schemas.openxmlformats.org/drawingml/2006/main" xmlns:r="http://schemas.openxmlformats.org/officeDocument/2006/relationships" xmlns:p="http://schemas.openxmlformats.org/presentationml/2006/main">
+  <p:cSld>
+    <p:spTree>
+      <p:nvGrpSpPr>
+        <p:cNvPr id="1" name=""/>
+        <p:cNvGrpSpPr/>
+        <p:nvPr/>
+      </p:nvGrpSpPr>
+      <p:grpSpPr>
+        <a:xfrm>
+          <a:off x="0" y="0"/>
+          <a:ext cx="0" cy="0"/>
+          <a:chOff x="0" y="0"/>
+          <a:chExt cx="0" cy="0"/>
+        </a:xfrm>
+      </p:grpSpPr>
+    </p:spTree>
+    <p:extLst>
+      <p:ext uri="{BB962C8B-B14F-4D97-AF65-F5344CB8AC3E}">
+        <p14:creationId xmlns:p14="http://schemas.microsoft.com/office/powerpoint/2010/main" val="2732585274"/>
       </p:ext>
     </p:extLst>
   </p:cSld>
